--- a/Presentation Architecture.pptx
+++ b/Presentation Architecture.pptx
@@ -8,8 +8,7 @@
     <p:sldId id="256" r:id="rId2"/>
     <p:sldId id="259" r:id="rId3"/>
     <p:sldId id="260" r:id="rId4"/>
-    <p:sldId id="257" r:id="rId5"/>
-    <p:sldId id="258" r:id="rId6"/>
+    <p:sldId id="258" r:id="rId5"/>
   </p:sldIdLst>
   <p:sldSz cx="12192000" cy="6858000"/>
   <p:notesSz cx="6858000" cy="9144000"/>
@@ -119,7 +118,7 @@
 <file path=ppt/revisionInfo.xml><?xml version="1.0" encoding="utf-8"?>
 <p1510:revInfo xmlns:a="http://schemas.openxmlformats.org/drawingml/2006/main" xmlns:r="http://schemas.openxmlformats.org/officeDocument/2006/relationships" xmlns:p1510="http://schemas.microsoft.com/office/powerpoint/2015/10/main">
   <p1510:revLst>
-    <p1510:client id="{58CB1665-4FCC-4438-8177-DCEA4F5BB405}" v="67" dt="2025-01-05T13:11:31.889"/>
+    <p1510:client id="{58CB1665-4FCC-4438-8177-DCEA4F5BB405}" v="74" dt="2025-01-16T15:05:14.014"/>
   </p1510:revLst>
 </p1510:revInfo>
 </file>
@@ -128,13 +127,13 @@
 <pc:chgInfo xmlns:a="http://schemas.openxmlformats.org/drawingml/2006/main" xmlns:r="http://schemas.openxmlformats.org/officeDocument/2006/relationships" xmlns:ac="http://schemas.microsoft.com/office/drawing/2013/main/command" xmlns:pc="http://schemas.microsoft.com/office/powerpoint/2013/main/command">
   <pc:docChgLst>
     <pc:chgData name="Sébastian RAMOS IZQUIERDO" userId="87098416-b306-4e36-9c97-b6e1b7b88e10" providerId="ADAL" clId="{58CB1665-4FCC-4438-8177-DCEA4F5BB405}"/>
-    <pc:docChg chg="undo custSel addSld modSld">
-      <pc:chgData name="Sébastian RAMOS IZQUIERDO" userId="87098416-b306-4e36-9c97-b6e1b7b88e10" providerId="ADAL" clId="{58CB1665-4FCC-4438-8177-DCEA4F5BB405}" dt="2025-01-05T13:13:11.047" v="2628" actId="20577"/>
+    <pc:docChg chg="undo custSel addSld delSld modSld">
+      <pc:chgData name="Sébastian RAMOS IZQUIERDO" userId="87098416-b306-4e36-9c97-b6e1b7b88e10" providerId="ADAL" clId="{58CB1665-4FCC-4438-8177-DCEA4F5BB405}" dt="2025-01-16T15:31:28.548" v="3612" actId="20577"/>
       <pc:docMkLst>
         <pc:docMk/>
       </pc:docMkLst>
       <pc:sldChg chg="addSp delSp modSp mod">
-        <pc:chgData name="Sébastian RAMOS IZQUIERDO" userId="87098416-b306-4e36-9c97-b6e1b7b88e10" providerId="ADAL" clId="{58CB1665-4FCC-4438-8177-DCEA4F5BB405}" dt="2025-01-05T13:11:48.329" v="2416" actId="207"/>
+        <pc:chgData name="Sébastian RAMOS IZQUIERDO" userId="87098416-b306-4e36-9c97-b6e1b7b88e10" providerId="ADAL" clId="{58CB1665-4FCC-4438-8177-DCEA4F5BB405}" dt="2025-01-16T14:49:52.247" v="2633" actId="14100"/>
         <pc:sldMkLst>
           <pc:docMk/>
           <pc:sldMk cId="2471688442" sldId="256"/>
@@ -203,22 +202,6 @@
             <ac:spMk id="10" creationId="{37D66FDA-F6B2-9820-95DF-950D15B2AEDE}"/>
           </ac:spMkLst>
         </pc:spChg>
-        <pc:spChg chg="add del mod">
-          <ac:chgData name="Sébastian RAMOS IZQUIERDO" userId="87098416-b306-4e36-9c97-b6e1b7b88e10" providerId="ADAL" clId="{58CB1665-4FCC-4438-8177-DCEA4F5BB405}" dt="2025-01-04T12:50:24.209" v="166" actId="478"/>
-          <ac:spMkLst>
-            <pc:docMk/>
-            <pc:sldMk cId="2471688442" sldId="256"/>
-            <ac:spMk id="13" creationId="{AD99EA03-111A-1D43-2D64-B77FD5C08A3A}"/>
-          </ac:spMkLst>
-        </pc:spChg>
-        <pc:spChg chg="add del">
-          <ac:chgData name="Sébastian RAMOS IZQUIERDO" userId="87098416-b306-4e36-9c97-b6e1b7b88e10" providerId="ADAL" clId="{58CB1665-4FCC-4438-8177-DCEA4F5BB405}" dt="2025-01-04T12:50:55.119" v="176" actId="478"/>
-          <ac:spMkLst>
-            <pc:docMk/>
-            <pc:sldMk cId="2471688442" sldId="256"/>
-            <ac:spMk id="15" creationId="{F581AFB8-0932-F85B-0CF9-4A1F458CCC0C}"/>
-          </ac:spMkLst>
-        </pc:spChg>
         <pc:spChg chg="add mod ord">
           <ac:chgData name="Sébastian RAMOS IZQUIERDO" userId="87098416-b306-4e36-9c97-b6e1b7b88e10" providerId="ADAL" clId="{58CB1665-4FCC-4438-8177-DCEA4F5BB405}" dt="2025-01-04T13:02:15.623" v="520" actId="13822"/>
           <ac:spMkLst>
@@ -241,14 +224,6 @@
             <pc:docMk/>
             <pc:sldMk cId="2471688442" sldId="256"/>
             <ac:spMk id="27" creationId="{30ED3EF1-7ACC-5CC4-0460-2E63F2872C54}"/>
-          </ac:spMkLst>
-        </pc:spChg>
-        <pc:spChg chg="add del">
-          <ac:chgData name="Sébastian RAMOS IZQUIERDO" userId="87098416-b306-4e36-9c97-b6e1b7b88e10" providerId="ADAL" clId="{58CB1665-4FCC-4438-8177-DCEA4F5BB405}" dt="2025-01-04T12:56:45.134" v="425" actId="478"/>
-          <ac:spMkLst>
-            <pc:docMk/>
-            <pc:sldMk cId="2471688442" sldId="256"/>
-            <ac:spMk id="28" creationId="{37AE9B69-8D0D-BBC4-1C4A-EACC01030517}"/>
           </ac:spMkLst>
         </pc:spChg>
         <pc:spChg chg="add mod">
@@ -297,22 +272,6 @@
             <pc:docMk/>
             <pc:sldMk cId="2471688442" sldId="256"/>
             <ac:spMk id="1048" creationId="{03F6FC04-C00E-7CF9-86FF-828359D91426}"/>
-          </ac:spMkLst>
-        </pc:spChg>
-        <pc:spChg chg="add mod">
-          <ac:chgData name="Sébastian RAMOS IZQUIERDO" userId="87098416-b306-4e36-9c97-b6e1b7b88e10" providerId="ADAL" clId="{58CB1665-4FCC-4438-8177-DCEA4F5BB405}" dt="2025-01-04T13:06:03.439" v="622" actId="571"/>
-          <ac:spMkLst>
-            <pc:docMk/>
-            <pc:sldMk cId="2471688442" sldId="256"/>
-            <ac:spMk id="1049" creationId="{B53F8C59-E686-7BD0-14D6-85A2326C18FB}"/>
-          </ac:spMkLst>
-        </pc:spChg>
-        <pc:spChg chg="add mod">
-          <ac:chgData name="Sébastian RAMOS IZQUIERDO" userId="87098416-b306-4e36-9c97-b6e1b7b88e10" providerId="ADAL" clId="{58CB1665-4FCC-4438-8177-DCEA4F5BB405}" dt="2025-01-04T13:06:03.439" v="622" actId="571"/>
-          <ac:spMkLst>
-            <pc:docMk/>
-            <pc:sldMk cId="2471688442" sldId="256"/>
-            <ac:spMk id="1050" creationId="{C99B8AD0-5B6E-3252-C628-5A440F6112D8}"/>
           </ac:spMkLst>
         </pc:spChg>
         <pc:spChg chg="add mod">
@@ -380,13 +339,21 @@
           </ac:picMkLst>
         </pc:picChg>
         <pc:picChg chg="add mod">
-          <ac:chgData name="Sébastian RAMOS IZQUIERDO" userId="87098416-b306-4e36-9c97-b6e1b7b88e10" providerId="ADAL" clId="{58CB1665-4FCC-4438-8177-DCEA4F5BB405}" dt="2025-01-04T13:09:48.432" v="718" actId="1076"/>
+          <ac:chgData name="Sébastian RAMOS IZQUIERDO" userId="87098416-b306-4e36-9c97-b6e1b7b88e10" providerId="ADAL" clId="{58CB1665-4FCC-4438-8177-DCEA4F5BB405}" dt="2025-01-07T13:02:30.639" v="2629" actId="1076"/>
           <ac:picMkLst>
             <pc:docMk/>
             <pc:sldMk cId="2471688442" sldId="256"/>
             <ac:picMk id="1059" creationId="{042E997D-F9C6-711B-3ACF-B4E832B4B0A3}"/>
           </ac:picMkLst>
         </pc:picChg>
+        <pc:cxnChg chg="add mod">
+          <ac:chgData name="Sébastian RAMOS IZQUIERDO" userId="87098416-b306-4e36-9c97-b6e1b7b88e10" providerId="ADAL" clId="{58CB1665-4FCC-4438-8177-DCEA4F5BB405}" dt="2025-01-16T14:49:52.247" v="2633" actId="14100"/>
+          <ac:cxnSpMkLst>
+            <pc:docMk/>
+            <pc:sldMk cId="2471688442" sldId="256"/>
+            <ac:cxnSpMk id="3" creationId="{F833FD51-EE9B-D00F-30F1-6FAF69072AEB}"/>
+          </ac:cxnSpMkLst>
+        </pc:cxnChg>
         <pc:cxnChg chg="add mod">
           <ac:chgData name="Sébastian RAMOS IZQUIERDO" userId="87098416-b306-4e36-9c97-b6e1b7b88e10" providerId="ADAL" clId="{58CB1665-4FCC-4438-8177-DCEA4F5BB405}" dt="2025-01-04T13:00:34.453" v="500" actId="1076"/>
           <ac:cxnSpMkLst>
@@ -401,30 +368,6 @@
             <pc:docMk/>
             <pc:sldMk cId="2471688442" sldId="256"/>
             <ac:cxnSpMk id="18" creationId="{20D095D3-6B02-1F4A-E656-9CD5E4D620F6}"/>
-          </ac:cxnSpMkLst>
-        </pc:cxnChg>
-        <pc:cxnChg chg="add del mod">
-          <ac:chgData name="Sébastian RAMOS IZQUIERDO" userId="87098416-b306-4e36-9c97-b6e1b7b88e10" providerId="ADAL" clId="{58CB1665-4FCC-4438-8177-DCEA4F5BB405}" dt="2025-01-04T12:57:45.106" v="439" actId="478"/>
-          <ac:cxnSpMkLst>
-            <pc:docMk/>
-            <pc:sldMk cId="2471688442" sldId="256"/>
-            <ac:cxnSpMk id="20" creationId="{7EF0E5CA-6820-23AC-6D9D-D7EF724C359D}"/>
-          </ac:cxnSpMkLst>
-        </pc:cxnChg>
-        <pc:cxnChg chg="add del mod">
-          <ac:chgData name="Sébastian RAMOS IZQUIERDO" userId="87098416-b306-4e36-9c97-b6e1b7b88e10" providerId="ADAL" clId="{58CB1665-4FCC-4438-8177-DCEA4F5BB405}" dt="2025-01-04T12:57:32.345" v="436" actId="478"/>
-          <ac:cxnSpMkLst>
-            <pc:docMk/>
-            <pc:sldMk cId="2471688442" sldId="256"/>
-            <ac:cxnSpMk id="21" creationId="{6CCA37AE-B36E-7F1C-2EBC-A13E8F718C4B}"/>
-          </ac:cxnSpMkLst>
-        </pc:cxnChg>
-        <pc:cxnChg chg="add del">
-          <ac:chgData name="Sébastian RAMOS IZQUIERDO" userId="87098416-b306-4e36-9c97-b6e1b7b88e10" providerId="ADAL" clId="{58CB1665-4FCC-4438-8177-DCEA4F5BB405}" dt="2025-01-04T12:57:09.504" v="429" actId="478"/>
-          <ac:cxnSpMkLst>
-            <pc:docMk/>
-            <pc:sldMk cId="2471688442" sldId="256"/>
-            <ac:cxnSpMk id="31" creationId="{A944C1D8-AF0B-A4A2-DF03-4D86DDD9BAB3}"/>
           </ac:cxnSpMkLst>
         </pc:cxnChg>
         <pc:cxnChg chg="add mod">
@@ -451,14 +394,6 @@
             <ac:cxnSpMk id="1036" creationId="{C9C4E337-894A-EFEF-FE66-7ACBC10815C9}"/>
           </ac:cxnSpMkLst>
         </pc:cxnChg>
-        <pc:cxnChg chg="add del mod">
-          <ac:chgData name="Sébastian RAMOS IZQUIERDO" userId="87098416-b306-4e36-9c97-b6e1b7b88e10" providerId="ADAL" clId="{58CB1665-4FCC-4438-8177-DCEA4F5BB405}" dt="2025-01-04T13:21:38.478" v="834" actId="478"/>
-          <ac:cxnSpMkLst>
-            <pc:docMk/>
-            <pc:sldMk cId="2471688442" sldId="256"/>
-            <ac:cxnSpMk id="1055" creationId="{9BB8B407-8E6B-E65E-0E9F-F542A083B4FB}"/>
-          </ac:cxnSpMkLst>
-        </pc:cxnChg>
         <pc:cxnChg chg="add mod">
           <ac:chgData name="Sébastian RAMOS IZQUIERDO" userId="87098416-b306-4e36-9c97-b6e1b7b88e10" providerId="ADAL" clId="{58CB1665-4FCC-4438-8177-DCEA4F5BB405}" dt="2025-01-04T13:18:06.381" v="826" actId="1076"/>
           <ac:cxnSpMkLst>
@@ -476,36 +411,12 @@
           </ac:cxnSpMkLst>
         </pc:cxnChg>
       </pc:sldChg>
-      <pc:sldChg chg="addSp delSp modSp new mod">
-        <pc:chgData name="Sébastian RAMOS IZQUIERDO" userId="87098416-b306-4e36-9c97-b6e1b7b88e10" providerId="ADAL" clId="{58CB1665-4FCC-4438-8177-DCEA4F5BB405}" dt="2025-01-04T13:12:23.008" v="759" actId="207"/>
+      <pc:sldChg chg="addSp delSp modSp new del mod">
+        <pc:chgData name="Sébastian RAMOS IZQUIERDO" userId="87098416-b306-4e36-9c97-b6e1b7b88e10" providerId="ADAL" clId="{58CB1665-4FCC-4438-8177-DCEA4F5BB405}" dt="2025-01-16T14:50:15.871" v="2635" actId="2696"/>
         <pc:sldMkLst>
           <pc:docMk/>
           <pc:sldMk cId="4169576805" sldId="257"/>
         </pc:sldMkLst>
-        <pc:spChg chg="mod">
-          <ac:chgData name="Sébastian RAMOS IZQUIERDO" userId="87098416-b306-4e36-9c97-b6e1b7b88e10" providerId="ADAL" clId="{58CB1665-4FCC-4438-8177-DCEA4F5BB405}" dt="2025-01-04T13:11:09.226" v="745" actId="20577"/>
-          <ac:spMkLst>
-            <pc:docMk/>
-            <pc:sldMk cId="4169576805" sldId="257"/>
-            <ac:spMk id="2" creationId="{F3A6DE4E-7105-CEBA-3112-BAC964C3718F}"/>
-          </ac:spMkLst>
-        </pc:spChg>
-        <pc:spChg chg="del mod">
-          <ac:chgData name="Sébastian RAMOS IZQUIERDO" userId="87098416-b306-4e36-9c97-b6e1b7b88e10" providerId="ADAL" clId="{58CB1665-4FCC-4438-8177-DCEA4F5BB405}" dt="2025-01-04T13:11:53.233" v="751" actId="478"/>
-          <ac:spMkLst>
-            <pc:docMk/>
-            <pc:sldMk cId="4169576805" sldId="257"/>
-            <ac:spMk id="3" creationId="{95F08562-CC67-39E1-4C2F-0F983B24EA84}"/>
-          </ac:spMkLst>
-        </pc:spChg>
-        <pc:spChg chg="add mod">
-          <ac:chgData name="Sébastian RAMOS IZQUIERDO" userId="87098416-b306-4e36-9c97-b6e1b7b88e10" providerId="ADAL" clId="{58CB1665-4FCC-4438-8177-DCEA4F5BB405}" dt="2025-01-04T13:12:23.008" v="759" actId="207"/>
-          <ac:spMkLst>
-            <pc:docMk/>
-            <pc:sldMk cId="4169576805" sldId="257"/>
-            <ac:spMk id="5" creationId="{BC12E185-A023-478F-3000-13A68F0C8148}"/>
-          </ac:spMkLst>
-        </pc:spChg>
       </pc:sldChg>
       <pc:sldChg chg="modSp new mod">
         <pc:chgData name="Sébastian RAMOS IZQUIERDO" userId="87098416-b306-4e36-9c97-b6e1b7b88e10" providerId="ADAL" clId="{58CB1665-4FCC-4438-8177-DCEA4F5BB405}" dt="2025-01-04T13:13:15.087" v="822" actId="20577"/>
@@ -553,26 +464,33 @@
           </ac:spMkLst>
         </pc:spChg>
       </pc:sldChg>
-      <pc:sldChg chg="modSp new mod">
-        <pc:chgData name="Sébastian RAMOS IZQUIERDO" userId="87098416-b306-4e36-9c97-b6e1b7b88e10" providerId="ADAL" clId="{58CB1665-4FCC-4438-8177-DCEA4F5BB405}" dt="2025-01-05T13:11:04.185" v="2413" actId="20577"/>
+      <pc:sldChg chg="modSp new del mod">
+        <pc:chgData name="Sébastian RAMOS IZQUIERDO" userId="87098416-b306-4e36-9c97-b6e1b7b88e10" providerId="ADAL" clId="{58CB1665-4FCC-4438-8177-DCEA4F5BB405}" dt="2025-01-16T14:50:09.773" v="2634" actId="2696"/>
         <pc:sldMkLst>
           <pc:docMk/>
           <pc:sldMk cId="328492754" sldId="260"/>
         </pc:sldMkLst>
+      </pc:sldChg>
+      <pc:sldChg chg="modSp new mod">
+        <pc:chgData name="Sébastian RAMOS IZQUIERDO" userId="87098416-b306-4e36-9c97-b6e1b7b88e10" providerId="ADAL" clId="{58CB1665-4FCC-4438-8177-DCEA4F5BB405}" dt="2025-01-16T15:31:28.548" v="3612" actId="20577"/>
+        <pc:sldMkLst>
+          <pc:docMk/>
+          <pc:sldMk cId="905712263" sldId="260"/>
+        </pc:sldMkLst>
         <pc:spChg chg="mod">
-          <ac:chgData name="Sébastian RAMOS IZQUIERDO" userId="87098416-b306-4e36-9c97-b6e1b7b88e10" providerId="ADAL" clId="{58CB1665-4FCC-4438-8177-DCEA4F5BB405}" dt="2025-01-05T13:04:45.113" v="1762" actId="20577"/>
+          <ac:chgData name="Sébastian RAMOS IZQUIERDO" userId="87098416-b306-4e36-9c97-b6e1b7b88e10" providerId="ADAL" clId="{58CB1665-4FCC-4438-8177-DCEA4F5BB405}" dt="2025-01-16T15:03:21.145" v="3130" actId="20577"/>
           <ac:spMkLst>
             <pc:docMk/>
-            <pc:sldMk cId="328492754" sldId="260"/>
-            <ac:spMk id="2" creationId="{9B32E72B-D908-0C99-5ACC-F74DBE449B28}"/>
+            <pc:sldMk cId="905712263" sldId="260"/>
+            <ac:spMk id="2" creationId="{7B1D793D-87CA-006B-789D-34F0AEB5811F}"/>
           </ac:spMkLst>
         </pc:spChg>
         <pc:spChg chg="mod">
-          <ac:chgData name="Sébastian RAMOS IZQUIERDO" userId="87098416-b306-4e36-9c97-b6e1b7b88e10" providerId="ADAL" clId="{58CB1665-4FCC-4438-8177-DCEA4F5BB405}" dt="2025-01-05T13:11:04.185" v="2413" actId="20577"/>
+          <ac:chgData name="Sébastian RAMOS IZQUIERDO" userId="87098416-b306-4e36-9c97-b6e1b7b88e10" providerId="ADAL" clId="{58CB1665-4FCC-4438-8177-DCEA4F5BB405}" dt="2025-01-16T15:31:28.548" v="3612" actId="20577"/>
           <ac:spMkLst>
             <pc:docMk/>
-            <pc:sldMk cId="328492754" sldId="260"/>
-            <ac:spMk id="3" creationId="{556F4165-FE5C-A9B8-447A-C21B82798EE6}"/>
+            <pc:sldMk cId="905712263" sldId="260"/>
+            <ac:spMk id="3" creationId="{1305E419-3199-6967-19BF-B7CB2081E4FB}"/>
           </ac:spMkLst>
         </pc:spChg>
       </pc:sldChg>
@@ -728,7 +646,7 @@
           <a:p>
             <a:fld id="{7F5D8D41-180F-45F5-8B47-D9A911D0A24A}" type="datetimeFigureOut">
               <a:rPr lang="fr-FR" smtClean="0"/>
-              <a:t>05/01/2025</a:t>
+              <a:t>16/01/2025</a:t>
             </a:fld>
             <a:endParaRPr lang="fr-FR"/>
           </a:p>
@@ -926,7 +844,7 @@
           <a:p>
             <a:fld id="{7F5D8D41-180F-45F5-8B47-D9A911D0A24A}" type="datetimeFigureOut">
               <a:rPr lang="fr-FR" smtClean="0"/>
-              <a:t>05/01/2025</a:t>
+              <a:t>16/01/2025</a:t>
             </a:fld>
             <a:endParaRPr lang="fr-FR"/>
           </a:p>
@@ -1134,7 +1052,7 @@
           <a:p>
             <a:fld id="{7F5D8D41-180F-45F5-8B47-D9A911D0A24A}" type="datetimeFigureOut">
               <a:rPr lang="fr-FR" smtClean="0"/>
-              <a:t>05/01/2025</a:t>
+              <a:t>16/01/2025</a:t>
             </a:fld>
             <a:endParaRPr lang="fr-FR"/>
           </a:p>
@@ -1332,7 +1250,7 @@
           <a:p>
             <a:fld id="{7F5D8D41-180F-45F5-8B47-D9A911D0A24A}" type="datetimeFigureOut">
               <a:rPr lang="fr-FR" smtClean="0"/>
-              <a:t>05/01/2025</a:t>
+              <a:t>16/01/2025</a:t>
             </a:fld>
             <a:endParaRPr lang="fr-FR"/>
           </a:p>
@@ -1607,7 +1525,7 @@
           <a:p>
             <a:fld id="{7F5D8D41-180F-45F5-8B47-D9A911D0A24A}" type="datetimeFigureOut">
               <a:rPr lang="fr-FR" smtClean="0"/>
-              <a:t>05/01/2025</a:t>
+              <a:t>16/01/2025</a:t>
             </a:fld>
             <a:endParaRPr lang="fr-FR"/>
           </a:p>
@@ -1872,7 +1790,7 @@
           <a:p>
             <a:fld id="{7F5D8D41-180F-45F5-8B47-D9A911D0A24A}" type="datetimeFigureOut">
               <a:rPr lang="fr-FR" smtClean="0"/>
-              <a:t>05/01/2025</a:t>
+              <a:t>16/01/2025</a:t>
             </a:fld>
             <a:endParaRPr lang="fr-FR"/>
           </a:p>
@@ -2284,7 +2202,7 @@
           <a:p>
             <a:fld id="{7F5D8D41-180F-45F5-8B47-D9A911D0A24A}" type="datetimeFigureOut">
               <a:rPr lang="fr-FR" smtClean="0"/>
-              <a:t>05/01/2025</a:t>
+              <a:t>16/01/2025</a:t>
             </a:fld>
             <a:endParaRPr lang="fr-FR"/>
           </a:p>
@@ -2425,7 +2343,7 @@
           <a:p>
             <a:fld id="{7F5D8D41-180F-45F5-8B47-D9A911D0A24A}" type="datetimeFigureOut">
               <a:rPr lang="fr-FR" smtClean="0"/>
-              <a:t>05/01/2025</a:t>
+              <a:t>16/01/2025</a:t>
             </a:fld>
             <a:endParaRPr lang="fr-FR"/>
           </a:p>
@@ -2538,7 +2456,7 @@
           <a:p>
             <a:fld id="{7F5D8D41-180F-45F5-8B47-D9A911D0A24A}" type="datetimeFigureOut">
               <a:rPr lang="fr-FR" smtClean="0"/>
-              <a:t>05/01/2025</a:t>
+              <a:t>16/01/2025</a:t>
             </a:fld>
             <a:endParaRPr lang="fr-FR"/>
           </a:p>
@@ -2849,7 +2767,7 @@
           <a:p>
             <a:fld id="{7F5D8D41-180F-45F5-8B47-D9A911D0A24A}" type="datetimeFigureOut">
               <a:rPr lang="fr-FR" smtClean="0"/>
-              <a:t>05/01/2025</a:t>
+              <a:t>16/01/2025</a:t>
             </a:fld>
             <a:endParaRPr lang="fr-FR"/>
           </a:p>
@@ -3137,7 +3055,7 @@
           <a:p>
             <a:fld id="{7F5D8D41-180F-45F5-8B47-D9A911D0A24A}" type="datetimeFigureOut">
               <a:rPr lang="fr-FR" smtClean="0"/>
-              <a:t>05/01/2025</a:t>
+              <a:t>16/01/2025</a:t>
             </a:fld>
             <a:endParaRPr lang="fr-FR"/>
           </a:p>
@@ -3378,7 +3296,7 @@
           <a:p>
             <a:fld id="{7F5D8D41-180F-45F5-8B47-D9A911D0A24A}" type="datetimeFigureOut">
               <a:rPr lang="fr-FR" smtClean="0"/>
-              <a:t>05/01/2025</a:t>
+              <a:t>16/01/2025</a:t>
             </a:fld>
             <a:endParaRPr lang="fr-FR"/>
           </a:p>
@@ -5401,7 +5319,7 @@
         </p:blipFill>
         <p:spPr bwMode="auto">
           <a:xfrm>
-            <a:off x="10133582" y="1686142"/>
+            <a:off x="10133582" y="1655766"/>
             <a:ext cx="1360907" cy="568679"/>
           </a:xfrm>
           <a:prstGeom prst="rect">
@@ -5548,6 +5466,52 @@
           </a:p>
         </p:txBody>
       </p:sp>
+      <p:cxnSp>
+        <p:nvCxnSpPr>
+          <p:cNvPr id="3" name="Connecteur droit avec flèche 2">
+            <a:extLst>
+              <a:ext uri="{FF2B5EF4-FFF2-40B4-BE49-F238E27FC236}">
+                <a16:creationId xmlns:a16="http://schemas.microsoft.com/office/drawing/2014/main" id="{F833FD51-EE9B-D00F-30F1-6FAF69072AEB}"/>
+              </a:ext>
+            </a:extLst>
+          </p:cNvPr>
+          <p:cNvCxnSpPr>
+            <a:cxnSpLocks/>
+            <a:stCxn id="9" idx="3"/>
+            <a:endCxn id="6" idx="2"/>
+          </p:cNvCxnSpPr>
+          <p:nvPr/>
+        </p:nvCxnSpPr>
+        <p:spPr>
+          <a:xfrm flipV="1">
+            <a:off x="5515089" y="2914692"/>
+            <a:ext cx="2559885" cy="2346222"/>
+          </a:xfrm>
+          <a:prstGeom prst="straightConnector1">
+            <a:avLst/>
+          </a:prstGeom>
+          <a:ln w="44450">
+            <a:solidFill>
+              <a:schemeClr val="accent2"/>
+            </a:solidFill>
+            <a:tailEnd type="triangle"/>
+          </a:ln>
+        </p:spPr>
+        <p:style>
+          <a:lnRef idx="2">
+            <a:schemeClr val="accent1"/>
+          </a:lnRef>
+          <a:fillRef idx="0">
+            <a:schemeClr val="accent1"/>
+          </a:fillRef>
+          <a:effectRef idx="1">
+            <a:schemeClr val="accent1"/>
+          </a:effectRef>
+          <a:fontRef idx="minor">
+            <a:schemeClr val="tx1"/>
+          </a:fontRef>
+        </p:style>
+      </p:cxnSp>
     </p:spTree>
     <p:extLst>
       <p:ext uri="{BB962C8B-B14F-4D97-AF65-F5344CB8AC3E}">
@@ -5783,7 +5747,7 @@
           <p:cNvPr id="2" name="Titre 1">
             <a:extLst>
               <a:ext uri="{FF2B5EF4-FFF2-40B4-BE49-F238E27FC236}">
-                <a16:creationId xmlns:a16="http://schemas.microsoft.com/office/drawing/2014/main" id="{9B32E72B-D908-0C99-5ACC-F74DBE449B28}"/>
+                <a16:creationId xmlns:a16="http://schemas.microsoft.com/office/drawing/2014/main" id="{7B1D793D-87CA-006B-789D-34F0AEB5811F}"/>
               </a:ext>
             </a:extLst>
           </p:cNvPr>
@@ -5801,8 +5765,13 @@
           <a:p>
             <a:r>
               <a:rPr lang="fr-FR" dirty="0"/>
-              <a:t>Questions / To Do</a:t>
-            </a:r>
+              <a:t>Installation + </a:t>
+            </a:r>
+            <a:r>
+              <a:rPr lang="fr-FR" dirty="0" err="1"/>
+              <a:t>Execution</a:t>
+            </a:r>
+            <a:endParaRPr lang="fr-FR" dirty="0"/>
           </a:p>
         </p:txBody>
       </p:sp>
@@ -5811,7 +5780,7 @@
           <p:cNvPr id="3" name="Espace réservé du contenu 2">
             <a:extLst>
               <a:ext uri="{FF2B5EF4-FFF2-40B4-BE49-F238E27FC236}">
-                <a16:creationId xmlns:a16="http://schemas.microsoft.com/office/drawing/2014/main" id="{556F4165-FE5C-A9B8-447A-C21B82798EE6}"/>
+                <a16:creationId xmlns:a16="http://schemas.microsoft.com/office/drawing/2014/main" id="{1305E419-3199-6967-19BF-B7CB2081E4FB}"/>
               </a:ext>
             </a:extLst>
           </p:cNvPr>
@@ -5825,145 +5794,168 @@
         <p:spPr/>
         <p:txBody>
           <a:bodyPr>
-            <a:normAutofit fontScale="92500"/>
+            <a:normAutofit fontScale="47500" lnSpcReduction="20000"/>
           </a:bodyPr>
           <a:lstStyle/>
           <a:p>
             <a:r>
               <a:rPr lang="fr-FR" dirty="0"/>
-              <a:t>Comment configurer les boutons </a:t>
+              <a:t>Si nécessaire demander les droits admin : </a:t>
+            </a:r>
+            <a:r>
+              <a:rPr lang="fr-FR" dirty="0">
+                <a:hlinkClick r:id="rId2"/>
+              </a:rPr>
+              <a:t>https://connect.onepoint.cloud/</a:t>
+            </a:r>
+            <a:r>
+              <a:rPr lang="fr-FR" dirty="0"/>
+              <a:t> </a:t>
+            </a:r>
+          </a:p>
+          <a:p>
+            <a:pPr lvl="1"/>
+            <a:r>
+              <a:rPr lang="fr-FR" dirty="0"/>
+              <a:t>Assets – Safe Check &gt; Obtenir droits admin : attendre que le </a:t>
             </a:r>
             <a:r>
               <a:rPr lang="fr-FR" dirty="0" err="1"/>
-              <a:t>play</a:t>
+              <a:t>Connect.bot</a:t>
             </a:r>
             <a:r>
               <a:rPr lang="fr-FR" dirty="0"/>
-              <a:t> dans le code Robot pour que ça passe bien les arguments, en particulier le dossier de résultats ?</a:t>
-            </a:r>
-          </a:p>
-          <a:p>
+              <a:t> vous envoie un message Teams</a:t>
+            </a:r>
+          </a:p>
+          <a:p>
+            <a:pPr lvl="1"/>
             <a:r>
               <a:rPr lang="fr-FR" dirty="0"/>
-              <a:t>Est-ce que je peux faire un docker compose dans le </a:t>
-            </a:r>
-            <a:r>
-              <a:rPr lang="fr-FR" dirty="0" err="1"/>
-              <a:t>devcontainer.json</a:t>
-            </a:r>
+              <a:t>Si pas de nouvelle du bot, faire une demande via un ticket (Helpdesk &gt; Nouveau ticket) en précisant bien que le bot n’a pas répondu</a:t>
+            </a:r>
+          </a:p>
+          <a:p>
+            <a:endParaRPr lang="fr-FR" dirty="0"/>
+          </a:p>
+          <a:p>
             <a:r>
               <a:rPr lang="fr-FR" dirty="0"/>
-              <a:t> ? Pour lancer aussi l’image </a:t>
-            </a:r>
-            <a:r>
-              <a:rPr lang="fr-FR" dirty="0" err="1"/>
-              <a:t>selenium</a:t>
-            </a:r>
+              <a:t>Se placer dans un répertoire où vous souhaitez stocker le projet puis le récupérer via la commande suivante : git clone </a:t>
+            </a:r>
+            <a:r>
+              <a:rPr lang="fr-FR" dirty="0">
+                <a:hlinkClick r:id="rId3"/>
+              </a:rPr>
+              <a:t>https://github.com/Rezzas/onepoint_formation_rf_webui_selenium.git</a:t>
+            </a:r>
+            <a:endParaRPr lang="fr-FR" dirty="0"/>
+          </a:p>
+          <a:p>
+            <a:endParaRPr lang="fr-FR" dirty="0"/>
+          </a:p>
+          <a:p>
             <a:r>
               <a:rPr lang="fr-FR" dirty="0"/>
-              <a:t> automatiquement ?</a:t>
-            </a:r>
+              <a:t>Installer Docker Desktop : </a:t>
+            </a:r>
+            <a:r>
+              <a:rPr lang="fr-FR" dirty="0">
+                <a:hlinkClick r:id="rId4"/>
+              </a:rPr>
+              <a:t>https://docs.docker.com/get-started/get-docker/</a:t>
+            </a:r>
+            <a:endParaRPr lang="fr-FR" dirty="0"/>
+          </a:p>
+          <a:p>
+            <a:endParaRPr lang="fr-FR" dirty="0"/>
           </a:p>
           <a:p>
             <a:r>
               <a:rPr lang="fr-FR" dirty="0"/>
-              <a:t>Simplifier l’image décrite dans le </a:t>
-            </a:r>
-            <a:r>
-              <a:rPr lang="fr-FR" dirty="0" err="1"/>
-              <a:t>Dockerfile</a:t>
-            </a:r>
+              <a:t>Installer VS Code : </a:t>
+            </a:r>
+            <a:r>
+              <a:rPr lang="fr-FR" dirty="0">
+                <a:hlinkClick r:id="rId5"/>
+              </a:rPr>
+              <a:t>https://code.visualstudio.com/download</a:t>
+            </a:r>
+            <a:endParaRPr lang="fr-FR" dirty="0"/>
+          </a:p>
+          <a:p>
             <a:r>
               <a:rPr lang="fr-FR" dirty="0"/>
-              <a:t> car il n’y a plus besoin de créer un volume car il est automatiquement fait par le </a:t>
-            </a:r>
-            <a:r>
-              <a:rPr lang="fr-FR" dirty="0" err="1"/>
-              <a:t>devcontainer</a:t>
-            </a:r>
+              <a:t>Dans VS Code : </a:t>
+            </a:r>
+          </a:p>
+          <a:p>
+            <a:pPr lvl="1"/>
             <a:r>
               <a:rPr lang="fr-FR" dirty="0"/>
-              <a:t> (</a:t>
-            </a:r>
-            <a:r>
-              <a:rPr lang="fr-FR" dirty="0" err="1"/>
-              <a:t>workspaces</a:t>
-            </a:r>
+              <a:t>Installer l’extension : Dev Containers</a:t>
+            </a:r>
+          </a:p>
+          <a:p>
+            <a:pPr lvl="1"/>
             <a:r>
               <a:rPr lang="fr-FR" dirty="0"/>
-              <a:t> au lieu de </a:t>
-            </a:r>
-            <a:r>
-              <a:rPr lang="fr-FR" dirty="0" err="1"/>
-              <a:t>opt</a:t>
-            </a:r>
+              <a:t>Appuyer sur CTRL+F1 et choisir : Dev Containers: Open Folder in Container</a:t>
+            </a:r>
+          </a:p>
+          <a:p>
+            <a:pPr lvl="1"/>
             <a:r>
               <a:rPr lang="fr-FR" dirty="0"/>
-              <a:t>)</a:t>
-            </a:r>
-          </a:p>
-          <a:p>
+              <a:t>Sélectionner le dossier : Formation Robot Framework – Selenium</a:t>
+            </a:r>
+          </a:p>
+          <a:p>
+            <a:pPr lvl="1"/>
+            <a:r>
+              <a:rPr lang="fr-FR" dirty="0"/>
+              <a:t>Attendre que toute l’installation se fasse</a:t>
+            </a:r>
+          </a:p>
+          <a:p>
+            <a:pPr lvl="1"/>
+            <a:endParaRPr lang="fr-FR" dirty="0"/>
+          </a:p>
+          <a:p>
+            <a:r>
+              <a:rPr lang="fr-FR" dirty="0"/>
+              <a:t>Pour lancer un test, il suffit de cliquer sur le bouton Play à côté du nom du test</a:t>
+            </a:r>
+          </a:p>
+          <a:p>
+            <a:r>
+              <a:rPr lang="fr-FR" dirty="0"/>
+              <a:t>Visualiser le test en cours via ce lien : </a:t>
+            </a:r>
             <a:r>
               <a:rPr lang="fr-FR" dirty="0">
-                <a:highlight>
-                  <a:srgbClr val="00FF00"/>
-                </a:highlight>
+                <a:hlinkClick r:id="rId6"/>
               </a:rPr>
-              <a:t>Est-ce que l’extension </a:t>
-            </a:r>
-            <a:r>
-              <a:rPr lang="fr-FR" dirty="0" err="1">
-                <a:highlight>
-                  <a:srgbClr val="00FF00"/>
-                </a:highlight>
-              </a:rPr>
-              <a:t>robotcode</a:t>
-            </a:r>
-            <a:r>
-              <a:rPr lang="fr-FR" dirty="0">
-                <a:highlight>
-                  <a:srgbClr val="00FF00"/>
-                </a:highlight>
-              </a:rPr>
-              <a:t> va s’installer à chaque fois que je fais </a:t>
-            </a:r>
-            <a:r>
-              <a:rPr lang="fr-FR" dirty="0" err="1">
-                <a:highlight>
-                  <a:srgbClr val="00FF00"/>
-                </a:highlight>
-              </a:rPr>
-              <a:t>Reopen</a:t>
-            </a:r>
-            <a:r>
-              <a:rPr lang="fr-FR" dirty="0">
-                <a:highlight>
-                  <a:srgbClr val="00FF00"/>
-                </a:highlight>
-              </a:rPr>
-              <a:t> in Container ? </a:t>
-            </a:r>
-            <a:r>
-              <a:rPr lang="fr-FR" dirty="0">
-                <a:highlight>
-                  <a:srgbClr val="00FF00"/>
-                </a:highlight>
-                <a:sym typeface="Wingdings" panose="05000000000000000000" pitchFamily="2" charset="2"/>
-              </a:rPr>
-              <a:t> Apparemment pas, donc ça fonctionne bien !</a:t>
-            </a:r>
-            <a:endParaRPr lang="fr-FR" dirty="0">
-              <a:highlight>
-                <a:srgbClr val="00FF00"/>
-              </a:highlight>
-            </a:endParaRPr>
+              <a:t>http://localhost:7900/?autoconnect=1&amp;resize=scale&amp;password=secret</a:t>
+            </a:r>
+            <a:endParaRPr lang="fr-FR" dirty="0"/>
+          </a:p>
+          <a:p>
+            <a:endParaRPr lang="fr-FR" dirty="0"/>
+          </a:p>
+          <a:p>
+            <a:endParaRPr lang="fr-FR" dirty="0"/>
+          </a:p>
+          <a:p>
+            <a:pPr lvl="1"/>
+            <a:endParaRPr lang="fr-FR" dirty="0"/>
           </a:p>
         </p:txBody>
       </p:sp>
     </p:spTree>
     <p:extLst>
       <p:ext uri="{BB962C8B-B14F-4D97-AF65-F5344CB8AC3E}">
-        <p14:creationId xmlns:p14="http://schemas.microsoft.com/office/powerpoint/2010/main" val="328492754"/>
+        <p14:creationId xmlns:p14="http://schemas.microsoft.com/office/powerpoint/2010/main" val="905712263"/>
       </p:ext>
     </p:extLst>
   </p:cSld>
@@ -5974,576 +5966,6 @@
 </file>
 
 <file path=ppt/slides/slide4.xml><?xml version="1.0" encoding="utf-8"?>
-<p:sld xmlns:a="http://schemas.openxmlformats.org/drawingml/2006/main" xmlns:r="http://schemas.openxmlformats.org/officeDocument/2006/relationships" xmlns:p="http://schemas.openxmlformats.org/presentationml/2006/main">
-  <p:cSld>
-    <p:spTree>
-      <p:nvGrpSpPr>
-        <p:cNvPr id="1" name=""/>
-        <p:cNvGrpSpPr/>
-        <p:nvPr/>
-      </p:nvGrpSpPr>
-      <p:grpSpPr>
-        <a:xfrm>
-          <a:off x="0" y="0"/>
-          <a:ext cx="0" cy="0"/>
-          <a:chOff x="0" y="0"/>
-          <a:chExt cx="0" cy="0"/>
-        </a:xfrm>
-      </p:grpSpPr>
-      <p:sp>
-        <p:nvSpPr>
-          <p:cNvPr id="2" name="Titre 1">
-            <a:extLst>
-              <a:ext uri="{FF2B5EF4-FFF2-40B4-BE49-F238E27FC236}">
-                <a16:creationId xmlns:a16="http://schemas.microsoft.com/office/drawing/2014/main" id="{F3A6DE4E-7105-CEBA-3112-BAC964C3718F}"/>
-              </a:ext>
-            </a:extLst>
-          </p:cNvPr>
-          <p:cNvSpPr>
-            <a:spLocks noGrp="1"/>
-          </p:cNvSpPr>
-          <p:nvPr>
-            <p:ph type="title"/>
-          </p:nvPr>
-        </p:nvSpPr>
-        <p:spPr/>
-        <p:txBody>
-          <a:bodyPr/>
-          <a:lstStyle/>
-          <a:p>
-            <a:r>
-              <a:rPr lang="fr-FR" dirty="0"/>
-              <a:t>Setup Docker</a:t>
-            </a:r>
-          </a:p>
-        </p:txBody>
-      </p:sp>
-      <p:sp>
-        <p:nvSpPr>
-          <p:cNvPr id="5" name="ZoneTexte 4">
-            <a:extLst>
-              <a:ext uri="{FF2B5EF4-FFF2-40B4-BE49-F238E27FC236}">
-                <a16:creationId xmlns:a16="http://schemas.microsoft.com/office/drawing/2014/main" id="{BC12E185-A023-478F-3000-13A68F0C8148}"/>
-              </a:ext>
-            </a:extLst>
-          </p:cNvPr>
-          <p:cNvSpPr txBox="1"/>
-          <p:nvPr/>
-        </p:nvSpPr>
-        <p:spPr>
-          <a:xfrm>
-            <a:off x="838199" y="1690688"/>
-            <a:ext cx="11029335" cy="3338478"/>
-          </a:xfrm>
-          <a:prstGeom prst="rect">
-            <a:avLst/>
-          </a:prstGeom>
-          <a:noFill/>
-        </p:spPr>
-        <p:txBody>
-          <a:bodyPr wrap="square">
-            <a:spAutoFit/>
-          </a:bodyPr>
-          <a:lstStyle/>
-          <a:p>
-            <a:pPr>
-              <a:lnSpc>
-                <a:spcPts val="1425"/>
-              </a:lnSpc>
-            </a:pPr>
-            <a:r>
-              <a:rPr lang="fr-FR" b="0" dirty="0">
-                <a:effectLst/>
-                <a:latin typeface="Consolas" panose="020B0609020204030204" pitchFamily="49" charset="0"/>
-              </a:rPr>
-              <a:t>docker pull </a:t>
-            </a:r>
-            <a:r>
-              <a:rPr lang="fr-FR" b="0" dirty="0" err="1">
-                <a:effectLst/>
-                <a:latin typeface="Consolas" panose="020B0609020204030204" pitchFamily="49" charset="0"/>
-              </a:rPr>
-              <a:t>standalone-chrome:latest</a:t>
-            </a:r>
-            <a:endParaRPr lang="fr-FR" b="0" dirty="0">
-              <a:effectLst/>
-              <a:latin typeface="Consolas" panose="020B0609020204030204" pitchFamily="49" charset="0"/>
-            </a:endParaRPr>
-          </a:p>
-          <a:p>
-            <a:pPr>
-              <a:lnSpc>
-                <a:spcPts val="1425"/>
-              </a:lnSpc>
-            </a:pPr>
-            <a:endParaRPr lang="fr-FR" b="0" dirty="0">
-              <a:effectLst/>
-              <a:latin typeface="Consolas" panose="020B0609020204030204" pitchFamily="49" charset="0"/>
-            </a:endParaRPr>
-          </a:p>
-          <a:p>
-            <a:pPr>
-              <a:lnSpc>
-                <a:spcPts val="1425"/>
-              </a:lnSpc>
-            </a:pPr>
-            <a:r>
-              <a:rPr lang="fr-FR" b="0" dirty="0">
-                <a:effectLst/>
-                <a:latin typeface="Consolas" panose="020B0609020204030204" pitchFamily="49" charset="0"/>
-              </a:rPr>
-              <a:t>docker </a:t>
-            </a:r>
-            <a:r>
-              <a:rPr lang="fr-FR" b="0" dirty="0" err="1">
-                <a:effectLst/>
-                <a:latin typeface="Consolas" panose="020B0609020204030204" pitchFamily="49" charset="0"/>
-              </a:rPr>
-              <a:t>build</a:t>
-            </a:r>
-            <a:r>
-              <a:rPr lang="fr-FR" b="0" dirty="0">
-                <a:effectLst/>
-                <a:latin typeface="Consolas" panose="020B0609020204030204" pitchFamily="49" charset="0"/>
-              </a:rPr>
-              <a:t> -t </a:t>
-            </a:r>
-            <a:r>
-              <a:rPr lang="fr-FR" b="0" dirty="0" err="1">
-                <a:effectLst/>
-                <a:latin typeface="Consolas" panose="020B0609020204030204" pitchFamily="49" charset="0"/>
-              </a:rPr>
-              <a:t>onepoint_formation_rf_webui_selenium_image</a:t>
-            </a:r>
-            <a:r>
-              <a:rPr lang="fr-FR" b="0" dirty="0">
-                <a:effectLst/>
-                <a:latin typeface="Consolas" panose="020B0609020204030204" pitchFamily="49" charset="0"/>
-              </a:rPr>
-              <a:t> .</a:t>
-            </a:r>
-          </a:p>
-          <a:p>
-            <a:pPr>
-              <a:lnSpc>
-                <a:spcPts val="1425"/>
-              </a:lnSpc>
-            </a:pPr>
-            <a:endParaRPr lang="fr-FR" b="0" dirty="0">
-              <a:effectLst/>
-              <a:latin typeface="Consolas" panose="020B0609020204030204" pitchFamily="49" charset="0"/>
-            </a:endParaRPr>
-          </a:p>
-          <a:p>
-            <a:pPr>
-              <a:lnSpc>
-                <a:spcPts val="1425"/>
-              </a:lnSpc>
-            </a:pPr>
-            <a:r>
-              <a:rPr lang="fr-FR" b="0" dirty="0">
-                <a:effectLst/>
-                <a:latin typeface="Consolas" panose="020B0609020204030204" pitchFamily="49" charset="0"/>
-              </a:rPr>
-              <a:t>docker network </a:t>
-            </a:r>
-            <a:r>
-              <a:rPr lang="fr-FR" b="0" dirty="0" err="1">
-                <a:effectLst/>
-                <a:latin typeface="Consolas" panose="020B0609020204030204" pitchFamily="49" charset="0"/>
-              </a:rPr>
-              <a:t>create</a:t>
-            </a:r>
-            <a:r>
-              <a:rPr lang="fr-FR" b="0" dirty="0">
-                <a:effectLst/>
-                <a:latin typeface="Consolas" panose="020B0609020204030204" pitchFamily="49" charset="0"/>
-              </a:rPr>
-              <a:t> </a:t>
-            </a:r>
-            <a:r>
-              <a:rPr lang="fr-FR" b="0" dirty="0" err="1">
-                <a:effectLst/>
-                <a:latin typeface="Consolas" panose="020B0609020204030204" pitchFamily="49" charset="0"/>
-              </a:rPr>
-              <a:t>selenium</a:t>
-            </a:r>
-            <a:r>
-              <a:rPr lang="fr-FR" b="0" dirty="0">
-                <a:effectLst/>
-                <a:latin typeface="Consolas" panose="020B0609020204030204" pitchFamily="49" charset="0"/>
-              </a:rPr>
-              <a:t>-net</a:t>
-            </a:r>
-          </a:p>
-          <a:p>
-            <a:pPr>
-              <a:lnSpc>
-                <a:spcPts val="1425"/>
-              </a:lnSpc>
-            </a:pPr>
-            <a:endParaRPr lang="fr-FR" b="0" dirty="0">
-              <a:effectLst/>
-              <a:latin typeface="Consolas" panose="020B0609020204030204" pitchFamily="49" charset="0"/>
-            </a:endParaRPr>
-          </a:p>
-          <a:p>
-            <a:pPr>
-              <a:lnSpc>
-                <a:spcPts val="1425"/>
-              </a:lnSpc>
-            </a:pPr>
-            <a:r>
-              <a:rPr lang="fr-FR" b="0" dirty="0">
-                <a:effectLst/>
-                <a:latin typeface="Consolas" panose="020B0609020204030204" pitchFamily="49" charset="0"/>
-              </a:rPr>
-              <a:t>docker run -d -p 4444:4444 -p 7900:7900 --</a:t>
-            </a:r>
-            <a:r>
-              <a:rPr lang="fr-FR" b="0" dirty="0" err="1">
-                <a:effectLst/>
-                <a:latin typeface="Consolas" panose="020B0609020204030204" pitchFamily="49" charset="0"/>
-              </a:rPr>
-              <a:t>shm</a:t>
-            </a:r>
-            <a:r>
-              <a:rPr lang="fr-FR" b="0" dirty="0">
-                <a:effectLst/>
-                <a:latin typeface="Consolas" panose="020B0609020204030204" pitchFamily="49" charset="0"/>
-              </a:rPr>
-              <a:t>-size="2g" --</a:t>
-            </a:r>
-            <a:r>
-              <a:rPr lang="fr-FR" b="0" dirty="0" err="1">
-                <a:effectLst/>
-                <a:latin typeface="Consolas" panose="020B0609020204030204" pitchFamily="49" charset="0"/>
-              </a:rPr>
-              <a:t>name</a:t>
-            </a:r>
-            <a:r>
-              <a:rPr lang="fr-FR" b="0" dirty="0">
-                <a:effectLst/>
-                <a:latin typeface="Consolas" panose="020B0609020204030204" pitchFamily="49" charset="0"/>
-              </a:rPr>
-              <a:t>="chrome" --network="</a:t>
-            </a:r>
-            <a:r>
-              <a:rPr lang="fr-FR" b="0" dirty="0" err="1">
-                <a:effectLst/>
-                <a:latin typeface="Consolas" panose="020B0609020204030204" pitchFamily="49" charset="0"/>
-              </a:rPr>
-              <a:t>selenium</a:t>
-            </a:r>
-            <a:r>
-              <a:rPr lang="fr-FR" b="0" dirty="0">
-                <a:effectLst/>
-                <a:latin typeface="Consolas" panose="020B0609020204030204" pitchFamily="49" charset="0"/>
-              </a:rPr>
-              <a:t>-net" </a:t>
-            </a:r>
-            <a:r>
-              <a:rPr lang="fr-FR" b="0" dirty="0" err="1">
-                <a:effectLst/>
-                <a:latin typeface="Consolas" panose="020B0609020204030204" pitchFamily="49" charset="0"/>
-              </a:rPr>
-              <a:t>selenium</a:t>
-            </a:r>
-            <a:r>
-              <a:rPr lang="fr-FR" b="0" dirty="0">
-                <a:effectLst/>
-                <a:latin typeface="Consolas" panose="020B0609020204030204" pitchFamily="49" charset="0"/>
-              </a:rPr>
-              <a:t>/</a:t>
-            </a:r>
-            <a:r>
-              <a:rPr lang="fr-FR" b="0" dirty="0" err="1">
-                <a:effectLst/>
-                <a:latin typeface="Consolas" panose="020B0609020204030204" pitchFamily="49" charset="0"/>
-              </a:rPr>
-              <a:t>standalone-chrome:latest</a:t>
-            </a:r>
-            <a:endParaRPr lang="fr-FR" b="0" dirty="0">
-              <a:effectLst/>
-              <a:latin typeface="Consolas" panose="020B0609020204030204" pitchFamily="49" charset="0"/>
-            </a:endParaRPr>
-          </a:p>
-          <a:p>
-            <a:pPr>
-              <a:lnSpc>
-                <a:spcPts val="1425"/>
-              </a:lnSpc>
-            </a:pPr>
-            <a:endParaRPr lang="fr-FR" b="0" dirty="0">
-              <a:effectLst/>
-              <a:latin typeface="Consolas" panose="020B0609020204030204" pitchFamily="49" charset="0"/>
-            </a:endParaRPr>
-          </a:p>
-          <a:p>
-            <a:pPr>
-              <a:lnSpc>
-                <a:spcPts val="1425"/>
-              </a:lnSpc>
-            </a:pPr>
-            <a:r>
-              <a:rPr lang="fr-FR" b="0" dirty="0">
-                <a:effectLst/>
-                <a:latin typeface="Consolas" panose="020B0609020204030204" pitchFamily="49" charset="0"/>
-              </a:rPr>
-              <a:t>docker run -</a:t>
-            </a:r>
-            <a:r>
-              <a:rPr lang="fr-FR" b="0" dirty="0" err="1">
-                <a:effectLst/>
-                <a:latin typeface="Consolas" panose="020B0609020204030204" pitchFamily="49" charset="0"/>
-              </a:rPr>
-              <a:t>it</a:t>
-            </a:r>
-            <a:r>
-              <a:rPr lang="fr-FR" b="0" dirty="0">
-                <a:effectLst/>
-                <a:latin typeface="Consolas" panose="020B0609020204030204" pitchFamily="49" charset="0"/>
-              </a:rPr>
-              <a:t> --</a:t>
-            </a:r>
-            <a:r>
-              <a:rPr lang="fr-FR" b="0" dirty="0" err="1">
-                <a:effectLst/>
-                <a:latin typeface="Consolas" panose="020B0609020204030204" pitchFamily="49" charset="0"/>
-              </a:rPr>
-              <a:t>rm</a:t>
-            </a:r>
-            <a:r>
-              <a:rPr lang="fr-FR" b="0" dirty="0">
-                <a:effectLst/>
-                <a:latin typeface="Consolas" panose="020B0609020204030204" pitchFamily="49" charset="0"/>
-              </a:rPr>
-              <a:t> --</a:t>
-            </a:r>
-            <a:r>
-              <a:rPr lang="fr-FR" b="0" dirty="0" err="1">
-                <a:effectLst/>
-                <a:latin typeface="Consolas" panose="020B0609020204030204" pitchFamily="49" charset="0"/>
-              </a:rPr>
-              <a:t>name</a:t>
-            </a:r>
-            <a:r>
-              <a:rPr lang="fr-FR" b="0" dirty="0">
-                <a:effectLst/>
-                <a:latin typeface="Consolas" panose="020B0609020204030204" pitchFamily="49" charset="0"/>
-              </a:rPr>
-              <a:t>="</a:t>
-            </a:r>
-            <a:r>
-              <a:rPr lang="fr-FR" b="0" dirty="0" err="1">
-                <a:effectLst/>
-                <a:latin typeface="Consolas" panose="020B0609020204030204" pitchFamily="49" charset="0"/>
-              </a:rPr>
-              <a:t>robotframework</a:t>
-            </a:r>
-            <a:r>
-              <a:rPr lang="fr-FR" b="0" dirty="0">
-                <a:effectLst/>
-                <a:latin typeface="Consolas" panose="020B0609020204030204" pitchFamily="49" charset="0"/>
-              </a:rPr>
-              <a:t>" --network="</a:t>
-            </a:r>
-            <a:r>
-              <a:rPr lang="fr-FR" b="0" dirty="0" err="1">
-                <a:effectLst/>
-                <a:latin typeface="Consolas" panose="020B0609020204030204" pitchFamily="49" charset="0"/>
-              </a:rPr>
-              <a:t>selenium</a:t>
-            </a:r>
-            <a:r>
-              <a:rPr lang="fr-FR" b="0" dirty="0">
-                <a:effectLst/>
-                <a:latin typeface="Consolas" panose="020B0609020204030204" pitchFamily="49" charset="0"/>
-              </a:rPr>
-              <a:t>-net" -v "C:\Users\s.ramos-izquierdo\OneDrive - ONEPOINT\Bureau\Seb\MES FORMATIONS\</a:t>
-            </a:r>
-            <a:r>
-              <a:rPr lang="fr-FR" b="0" dirty="0" err="1">
-                <a:effectLst/>
-                <a:latin typeface="Consolas" panose="020B0609020204030204" pitchFamily="49" charset="0"/>
-              </a:rPr>
-              <a:t>onepoint_formation_rf_webui_selenium</a:t>
-            </a:r>
-            <a:r>
-              <a:rPr lang="fr-FR" b="0" dirty="0">
-                <a:effectLst/>
-                <a:latin typeface="Consolas" panose="020B0609020204030204" pitchFamily="49" charset="0"/>
-              </a:rPr>
-              <a:t>\Formation Robot Framework - Selenium":"/</a:t>
-            </a:r>
-            <a:r>
-              <a:rPr lang="fr-FR" b="0" dirty="0" err="1">
-                <a:effectLst/>
-                <a:latin typeface="Consolas" panose="020B0609020204030204" pitchFamily="49" charset="0"/>
-              </a:rPr>
-              <a:t>opt</a:t>
-            </a:r>
-            <a:r>
-              <a:rPr lang="fr-FR" b="0" dirty="0">
-                <a:effectLst/>
-                <a:latin typeface="Consolas" panose="020B0609020204030204" pitchFamily="49" charset="0"/>
-              </a:rPr>
-              <a:t>/</a:t>
-            </a:r>
-            <a:r>
-              <a:rPr lang="fr-FR" b="0" dirty="0" err="1">
-                <a:effectLst/>
-                <a:latin typeface="Consolas" panose="020B0609020204030204" pitchFamily="49" charset="0"/>
-              </a:rPr>
-              <a:t>onepoint_formation_rf_webui_selenium</a:t>
-            </a:r>
-            <a:r>
-              <a:rPr lang="fr-FR" b="0" dirty="0">
-                <a:effectLst/>
-                <a:latin typeface="Consolas" panose="020B0609020204030204" pitchFamily="49" charset="0"/>
-              </a:rPr>
-              <a:t>" </a:t>
-            </a:r>
-            <a:r>
-              <a:rPr lang="fr-FR" b="0" dirty="0" err="1">
-                <a:effectLst/>
-                <a:latin typeface="Consolas" panose="020B0609020204030204" pitchFamily="49" charset="0"/>
-              </a:rPr>
-              <a:t>onepoint_formation_rf_webui_selenium_image:latest</a:t>
-            </a:r>
-            <a:r>
-              <a:rPr lang="fr-FR" b="0" dirty="0">
-                <a:effectLst/>
-                <a:latin typeface="Consolas" panose="020B0609020204030204" pitchFamily="49" charset="0"/>
-              </a:rPr>
-              <a:t> -c "cd /</a:t>
-            </a:r>
-            <a:r>
-              <a:rPr lang="fr-FR" b="0" dirty="0" err="1">
-                <a:effectLst/>
-                <a:latin typeface="Consolas" panose="020B0609020204030204" pitchFamily="49" charset="0"/>
-              </a:rPr>
-              <a:t>opt</a:t>
-            </a:r>
-            <a:r>
-              <a:rPr lang="fr-FR" b="0" dirty="0">
-                <a:effectLst/>
-                <a:latin typeface="Consolas" panose="020B0609020204030204" pitchFamily="49" charset="0"/>
-              </a:rPr>
-              <a:t>/</a:t>
-            </a:r>
-            <a:r>
-              <a:rPr lang="fr-FR" b="0" dirty="0" err="1">
-                <a:effectLst/>
-                <a:latin typeface="Consolas" panose="020B0609020204030204" pitchFamily="49" charset="0"/>
-              </a:rPr>
-              <a:t>onepoint_formation_rf_webui_selenium</a:t>
-            </a:r>
-            <a:r>
-              <a:rPr lang="fr-FR" b="0" dirty="0">
-                <a:effectLst/>
-                <a:latin typeface="Consolas" panose="020B0609020204030204" pitchFamily="49" charset="0"/>
-              </a:rPr>
-              <a:t> &amp;&amp; robot -d '/</a:t>
-            </a:r>
-            <a:r>
-              <a:rPr lang="fr-FR" b="0" dirty="0" err="1">
-                <a:effectLst/>
-                <a:latin typeface="Consolas" panose="020B0609020204030204" pitchFamily="49" charset="0"/>
-              </a:rPr>
-              <a:t>opt</a:t>
-            </a:r>
-            <a:r>
-              <a:rPr lang="fr-FR" b="0" dirty="0">
-                <a:effectLst/>
-                <a:latin typeface="Consolas" panose="020B0609020204030204" pitchFamily="49" charset="0"/>
-              </a:rPr>
-              <a:t>/</a:t>
-            </a:r>
-            <a:r>
-              <a:rPr lang="fr-FR" b="0" dirty="0" err="1">
-                <a:effectLst/>
-                <a:latin typeface="Consolas" panose="020B0609020204030204" pitchFamily="49" charset="0"/>
-              </a:rPr>
-              <a:t>onepoint_formation_rf_webui_selenium</a:t>
-            </a:r>
-            <a:r>
-              <a:rPr lang="fr-FR" b="0" dirty="0">
-                <a:effectLst/>
-                <a:latin typeface="Consolas" panose="020B0609020204030204" pitchFamily="49" charset="0"/>
-              </a:rPr>
-              <a:t>/</a:t>
-            </a:r>
-            <a:r>
-              <a:rPr lang="fr-FR" b="0" dirty="0" err="1">
-                <a:effectLst/>
-                <a:latin typeface="Consolas" panose="020B0609020204030204" pitchFamily="49" charset="0"/>
-              </a:rPr>
-              <a:t>Resultats</a:t>
-            </a:r>
-            <a:r>
-              <a:rPr lang="fr-FR" b="0" dirty="0">
-                <a:effectLst/>
-                <a:latin typeface="Consolas" panose="020B0609020204030204" pitchFamily="49" charset="0"/>
-              </a:rPr>
-              <a:t>/Exercice1A' '/</a:t>
-            </a:r>
-            <a:r>
-              <a:rPr lang="fr-FR" b="0" dirty="0" err="1">
-                <a:effectLst/>
-                <a:latin typeface="Consolas" panose="020B0609020204030204" pitchFamily="49" charset="0"/>
-              </a:rPr>
-              <a:t>opt</a:t>
-            </a:r>
-            <a:r>
-              <a:rPr lang="fr-FR" b="0" dirty="0">
-                <a:effectLst/>
-                <a:latin typeface="Consolas" panose="020B0609020204030204" pitchFamily="49" charset="0"/>
-              </a:rPr>
-              <a:t>/</a:t>
-            </a:r>
-            <a:r>
-              <a:rPr lang="fr-FR" b="0" dirty="0" err="1">
-                <a:effectLst/>
-                <a:latin typeface="Consolas" panose="020B0609020204030204" pitchFamily="49" charset="0"/>
-              </a:rPr>
-              <a:t>onepoint_formation_rf_webui_selenium</a:t>
-            </a:r>
-            <a:r>
-              <a:rPr lang="fr-FR" b="0" dirty="0">
-                <a:effectLst/>
-                <a:latin typeface="Consolas" panose="020B0609020204030204" pitchFamily="49" charset="0"/>
-              </a:rPr>
-              <a:t>/Tests/Exercice 1/exercice1A.robot'"</a:t>
-            </a:r>
-          </a:p>
-          <a:p>
-            <a:pPr>
-              <a:lnSpc>
-                <a:spcPts val="1425"/>
-              </a:lnSpc>
-            </a:pPr>
-            <a:endParaRPr lang="fr-FR" b="0" dirty="0">
-              <a:effectLst/>
-              <a:latin typeface="Consolas" panose="020B0609020204030204" pitchFamily="49" charset="0"/>
-            </a:endParaRPr>
-          </a:p>
-        </p:txBody>
-      </p:sp>
-    </p:spTree>
-    <p:extLst>
-      <p:ext uri="{BB962C8B-B14F-4D97-AF65-F5344CB8AC3E}">
-        <p14:creationId xmlns:p14="http://schemas.microsoft.com/office/powerpoint/2010/main" val="4169576805"/>
-      </p:ext>
-    </p:extLst>
-  </p:cSld>
-  <p:clrMapOvr>
-    <a:masterClrMapping/>
-  </p:clrMapOvr>
-</p:sld>
-</file>
-
-<file path=ppt/slides/slide5.xml><?xml version="1.0" encoding="utf-8"?>
 <p:sld xmlns:a="http://schemas.openxmlformats.org/drawingml/2006/main" xmlns:r="http://schemas.openxmlformats.org/officeDocument/2006/relationships" xmlns:p="http://schemas.openxmlformats.org/presentationml/2006/main">
   <p:cSld>
     <p:spTree>

--- a/Presentation Architecture.pptx
+++ b/Presentation Architecture.pptx
@@ -118,7 +118,7 @@
 <file path=ppt/revisionInfo.xml><?xml version="1.0" encoding="utf-8"?>
 <p1510:revInfo xmlns:a="http://schemas.openxmlformats.org/drawingml/2006/main" xmlns:r="http://schemas.openxmlformats.org/officeDocument/2006/relationships" xmlns:p1510="http://schemas.microsoft.com/office/powerpoint/2015/10/main">
   <p1510:revLst>
-    <p1510:client id="{58CB1665-4FCC-4438-8177-DCEA4F5BB405}" v="74" dt="2025-01-16T15:05:14.014"/>
+    <p1510:client id="{58CB1665-4FCC-4438-8177-DCEA4F5BB405}" v="75" dt="2025-01-16T16:03:59.517"/>
   </p1510:revLst>
 </p1510:revInfo>
 </file>
@@ -128,7 +128,7 @@
   <pc:docChgLst>
     <pc:chgData name="Sébastian RAMOS IZQUIERDO" userId="87098416-b306-4e36-9c97-b6e1b7b88e10" providerId="ADAL" clId="{58CB1665-4FCC-4438-8177-DCEA4F5BB405}"/>
     <pc:docChg chg="undo custSel addSld delSld modSld">
-      <pc:chgData name="Sébastian RAMOS IZQUIERDO" userId="87098416-b306-4e36-9c97-b6e1b7b88e10" providerId="ADAL" clId="{58CB1665-4FCC-4438-8177-DCEA4F5BB405}" dt="2025-01-16T15:31:28.548" v="3612" actId="20577"/>
+      <pc:chgData name="Sébastian RAMOS IZQUIERDO" userId="87098416-b306-4e36-9c97-b6e1b7b88e10" providerId="ADAL" clId="{58CB1665-4FCC-4438-8177-DCEA4F5BB405}" dt="2025-01-20T10:46:44.523" v="3652" actId="6549"/>
       <pc:docMkLst>
         <pc:docMk/>
       </pc:docMkLst>
@@ -472,7 +472,7 @@
         </pc:sldMkLst>
       </pc:sldChg>
       <pc:sldChg chg="modSp new mod">
-        <pc:chgData name="Sébastian RAMOS IZQUIERDO" userId="87098416-b306-4e36-9c97-b6e1b7b88e10" providerId="ADAL" clId="{58CB1665-4FCC-4438-8177-DCEA4F5BB405}" dt="2025-01-16T15:31:28.548" v="3612" actId="20577"/>
+        <pc:chgData name="Sébastian RAMOS IZQUIERDO" userId="87098416-b306-4e36-9c97-b6e1b7b88e10" providerId="ADAL" clId="{58CB1665-4FCC-4438-8177-DCEA4F5BB405}" dt="2025-01-20T10:46:44.523" v="3652" actId="6549"/>
         <pc:sldMkLst>
           <pc:docMk/>
           <pc:sldMk cId="905712263" sldId="260"/>
@@ -486,7 +486,7 @@
           </ac:spMkLst>
         </pc:spChg>
         <pc:spChg chg="mod">
-          <ac:chgData name="Sébastian RAMOS IZQUIERDO" userId="87098416-b306-4e36-9c97-b6e1b7b88e10" providerId="ADAL" clId="{58CB1665-4FCC-4438-8177-DCEA4F5BB405}" dt="2025-01-16T15:31:28.548" v="3612" actId="20577"/>
+          <ac:chgData name="Sébastian RAMOS IZQUIERDO" userId="87098416-b306-4e36-9c97-b6e1b7b88e10" providerId="ADAL" clId="{58CB1665-4FCC-4438-8177-DCEA4F5BB405}" dt="2025-01-20T10:46:44.523" v="3652" actId="6549"/>
           <ac:spMkLst>
             <pc:docMk/>
             <pc:sldMk cId="905712263" sldId="260"/>
@@ -646,7 +646,7 @@
           <a:p>
             <a:fld id="{7F5D8D41-180F-45F5-8B47-D9A911D0A24A}" type="datetimeFigureOut">
               <a:rPr lang="fr-FR" smtClean="0"/>
-              <a:t>16/01/2025</a:t>
+              <a:t>20/01/2025</a:t>
             </a:fld>
             <a:endParaRPr lang="fr-FR"/>
           </a:p>
@@ -844,7 +844,7 @@
           <a:p>
             <a:fld id="{7F5D8D41-180F-45F5-8B47-D9A911D0A24A}" type="datetimeFigureOut">
               <a:rPr lang="fr-FR" smtClean="0"/>
-              <a:t>16/01/2025</a:t>
+              <a:t>20/01/2025</a:t>
             </a:fld>
             <a:endParaRPr lang="fr-FR"/>
           </a:p>
@@ -1052,7 +1052,7 @@
           <a:p>
             <a:fld id="{7F5D8D41-180F-45F5-8B47-D9A911D0A24A}" type="datetimeFigureOut">
               <a:rPr lang="fr-FR" smtClean="0"/>
-              <a:t>16/01/2025</a:t>
+              <a:t>20/01/2025</a:t>
             </a:fld>
             <a:endParaRPr lang="fr-FR"/>
           </a:p>
@@ -1250,7 +1250,7 @@
           <a:p>
             <a:fld id="{7F5D8D41-180F-45F5-8B47-D9A911D0A24A}" type="datetimeFigureOut">
               <a:rPr lang="fr-FR" smtClean="0"/>
-              <a:t>16/01/2025</a:t>
+              <a:t>20/01/2025</a:t>
             </a:fld>
             <a:endParaRPr lang="fr-FR"/>
           </a:p>
@@ -1525,7 +1525,7 @@
           <a:p>
             <a:fld id="{7F5D8D41-180F-45F5-8B47-D9A911D0A24A}" type="datetimeFigureOut">
               <a:rPr lang="fr-FR" smtClean="0"/>
-              <a:t>16/01/2025</a:t>
+              <a:t>20/01/2025</a:t>
             </a:fld>
             <a:endParaRPr lang="fr-FR"/>
           </a:p>
@@ -1790,7 +1790,7 @@
           <a:p>
             <a:fld id="{7F5D8D41-180F-45F5-8B47-D9A911D0A24A}" type="datetimeFigureOut">
               <a:rPr lang="fr-FR" smtClean="0"/>
-              <a:t>16/01/2025</a:t>
+              <a:t>20/01/2025</a:t>
             </a:fld>
             <a:endParaRPr lang="fr-FR"/>
           </a:p>
@@ -2202,7 +2202,7 @@
           <a:p>
             <a:fld id="{7F5D8D41-180F-45F5-8B47-D9A911D0A24A}" type="datetimeFigureOut">
               <a:rPr lang="fr-FR" smtClean="0"/>
-              <a:t>16/01/2025</a:t>
+              <a:t>20/01/2025</a:t>
             </a:fld>
             <a:endParaRPr lang="fr-FR"/>
           </a:p>
@@ -2343,7 +2343,7 @@
           <a:p>
             <a:fld id="{7F5D8D41-180F-45F5-8B47-D9A911D0A24A}" type="datetimeFigureOut">
               <a:rPr lang="fr-FR" smtClean="0"/>
-              <a:t>16/01/2025</a:t>
+              <a:t>20/01/2025</a:t>
             </a:fld>
             <a:endParaRPr lang="fr-FR"/>
           </a:p>
@@ -2456,7 +2456,7 @@
           <a:p>
             <a:fld id="{7F5D8D41-180F-45F5-8B47-D9A911D0A24A}" type="datetimeFigureOut">
               <a:rPr lang="fr-FR" smtClean="0"/>
-              <a:t>16/01/2025</a:t>
+              <a:t>20/01/2025</a:t>
             </a:fld>
             <a:endParaRPr lang="fr-FR"/>
           </a:p>
@@ -2767,7 +2767,7 @@
           <a:p>
             <a:fld id="{7F5D8D41-180F-45F5-8B47-D9A911D0A24A}" type="datetimeFigureOut">
               <a:rPr lang="fr-FR" smtClean="0"/>
-              <a:t>16/01/2025</a:t>
+              <a:t>20/01/2025</a:t>
             </a:fld>
             <a:endParaRPr lang="fr-FR"/>
           </a:p>
@@ -3055,7 +3055,7 @@
           <a:p>
             <a:fld id="{7F5D8D41-180F-45F5-8B47-D9A911D0A24A}" type="datetimeFigureOut">
               <a:rPr lang="fr-FR" smtClean="0"/>
-              <a:t>16/01/2025</a:t>
+              <a:t>20/01/2025</a:t>
             </a:fld>
             <a:endParaRPr lang="fr-FR"/>
           </a:p>
@@ -3296,7 +3296,7 @@
           <a:p>
             <a:fld id="{7F5D8D41-180F-45F5-8B47-D9A911D0A24A}" type="datetimeFigureOut">
               <a:rPr lang="fr-FR" smtClean="0"/>
-              <a:t>16/01/2025</a:t>
+              <a:t>20/01/2025</a:t>
             </a:fld>
             <a:endParaRPr lang="fr-FR"/>
           </a:p>
@@ -5794,13 +5794,13 @@
         <p:spPr/>
         <p:txBody>
           <a:bodyPr>
-            <a:normAutofit fontScale="47500" lnSpcReduction="20000"/>
+            <a:normAutofit fontScale="55000" lnSpcReduction="20000"/>
           </a:bodyPr>
           <a:lstStyle/>
           <a:p>
             <a:r>
               <a:rPr lang="fr-FR" dirty="0"/>
-              <a:t>Si nécessaire demander les droits admin : </a:t>
+              <a:t>Demander les droits admin : </a:t>
             </a:r>
             <a:r>
               <a:rPr lang="fr-FR" dirty="0">
@@ -5841,44 +5841,51 @@
           <a:p>
             <a:r>
               <a:rPr lang="fr-FR" dirty="0"/>
-              <a:t>Se placer dans un répertoire où vous souhaitez stocker le projet puis le récupérer via la commande suivante : git clone </a:t>
+              <a:t>Installer Git : </a:t>
             </a:r>
             <a:r>
               <a:rPr lang="fr-FR" dirty="0">
                 <a:hlinkClick r:id="rId3"/>
               </a:rPr>
-              <a:t>https://github.com/Rezzas/onepoint_formation_rf_webui_selenium.git</a:t>
+              <a:t>https://git-scm.com/downloads</a:t>
             </a:r>
             <a:endParaRPr lang="fr-FR" dirty="0"/>
           </a:p>
           <a:p>
-            <a:endParaRPr lang="fr-FR" dirty="0"/>
-          </a:p>
-          <a:p>
             <a:r>
               <a:rPr lang="fr-FR" dirty="0"/>
-              <a:t>Installer Docker Desktop : </a:t>
+              <a:t>Se placer dans un répertoire où vous souhaitez stocker le projet puis le récupérer via la commande suivante : git clone </a:t>
             </a:r>
             <a:r>
               <a:rPr lang="fr-FR" dirty="0">
                 <a:hlinkClick r:id="rId4"/>
               </a:rPr>
-              <a:t>https://docs.docker.com/get-started/get-docker/</a:t>
+              <a:t>https://github.com/Rezzas/onepoint_formation_rf_webui_selenium.git</a:t>
             </a:r>
             <a:endParaRPr lang="fr-FR" dirty="0"/>
           </a:p>
           <a:p>
-            <a:endParaRPr lang="fr-FR" dirty="0"/>
-          </a:p>
-          <a:p>
             <a:r>
               <a:rPr lang="fr-FR" dirty="0"/>
-              <a:t>Installer VS Code : </a:t>
+              <a:t>Installer Docker Desktop : </a:t>
             </a:r>
             <a:r>
               <a:rPr lang="fr-FR" dirty="0">
                 <a:hlinkClick r:id="rId5"/>
               </a:rPr>
+              <a:t>https://docs.docker.com/get-started/get-docker/</a:t>
+            </a:r>
+            <a:endParaRPr lang="fr-FR" dirty="0"/>
+          </a:p>
+          <a:p>
+            <a:r>
+              <a:rPr lang="fr-FR" dirty="0"/>
+              <a:t>Installer VS Code : </a:t>
+            </a:r>
+            <a:r>
+              <a:rPr lang="fr-FR" dirty="0">
+                <a:hlinkClick r:id="rId6"/>
+              </a:rPr>
               <a:t>https://code.visualstudio.com/download</a:t>
             </a:r>
             <a:endParaRPr lang="fr-FR" dirty="0"/>
@@ -5934,7 +5941,7 @@
             </a:r>
             <a:r>
               <a:rPr lang="fr-FR" dirty="0">
-                <a:hlinkClick r:id="rId6"/>
+                <a:hlinkClick r:id="rId7"/>
               </a:rPr>
               <a:t>http://localhost:7900/?autoconnect=1&amp;resize=scale&amp;password=secret</a:t>
             </a:r>
